--- a/slides/PSYC753_Chris2_Rmd.pptx
+++ b/slides/PSYC753_Chris2_Rmd.pptx
@@ -518,7 +518,7 @@
               <a:pPr>
                 <a:defRPr/>
               </a:pPr>
-              <a:t>10/11/2020</a:t>
+              <a:t>17/11/2020</a:t>
             </a:fld>
             <a:endParaRPr lang="en-GB"/>
           </a:p>
@@ -1013,12 +1013,9 @@
             <a:pPr>
               <a:defRPr/>
             </a:pPr>
-            <a:fld id="{D9DDD776-3051-4A93-8463-4F901BBB2A4D}" type="datetime1">
-              <a:rPr lang="en-US"/>
-              <a:pPr>
-                <a:defRPr/>
-              </a:pPr>
-              <a:t>11/10/2020</a:t>
+            <a:fld id="{6268AE2B-ECF0-4072-8601-7E29B00449D7}" type="datetime1">
+              <a:rPr lang="en-US" smtClean="0"/>
+              <a:t>11/17/2020</a:t>
             </a:fld>
             <a:endParaRPr lang="en-US"/>
           </a:p>
@@ -1210,12 +1207,9 @@
             <a:pPr>
               <a:defRPr/>
             </a:pPr>
-            <a:fld id="{BD758AF4-B72B-4240-892F-DABBE09943B7}" type="datetime1">
-              <a:rPr lang="en-US"/>
-              <a:pPr>
-                <a:defRPr/>
-              </a:pPr>
-              <a:t>11/10/2020</a:t>
+            <a:fld id="{ED00F8F6-53B3-42AE-829D-21D7D54CF6BD}" type="datetime1">
+              <a:rPr lang="en-US" smtClean="0"/>
+              <a:t>11/17/2020</a:t>
             </a:fld>
             <a:endParaRPr lang="en-US"/>
           </a:p>
@@ -1417,12 +1411,9 @@
             <a:pPr>
               <a:defRPr/>
             </a:pPr>
-            <a:fld id="{93A3FE20-3C58-4416-B09B-8BD9BA7A1580}" type="datetime1">
-              <a:rPr lang="en-US"/>
-              <a:pPr>
-                <a:defRPr/>
-              </a:pPr>
-              <a:t>11/10/2020</a:t>
+            <a:fld id="{6ECE19B0-9CE1-4A0E-A22D-E01F28C71D01}" type="datetime1">
+              <a:rPr lang="en-US" smtClean="0"/>
+              <a:t>11/17/2020</a:t>
             </a:fld>
             <a:endParaRPr lang="en-US"/>
           </a:p>
@@ -1614,12 +1605,9 @@
             <a:pPr>
               <a:defRPr/>
             </a:pPr>
-            <a:fld id="{A0822F3A-ADBC-48BF-BD97-C47BB6EC1B8E}" type="datetime1">
-              <a:rPr lang="en-US"/>
-              <a:pPr>
-                <a:defRPr/>
-              </a:pPr>
-              <a:t>11/10/2020</a:t>
+            <a:fld id="{6581382E-B55B-49C9-92A2-AE919AA3C288}" type="datetime1">
+              <a:rPr lang="en-US" smtClean="0"/>
+              <a:t>11/17/2020</a:t>
             </a:fld>
             <a:endParaRPr lang="en-US"/>
           </a:p>
@@ -1887,12 +1875,9 @@
             <a:pPr>
               <a:defRPr/>
             </a:pPr>
-            <a:fld id="{812F7599-15BD-47D6-A7A8-0CEE454690ED}" type="datetime1">
-              <a:rPr lang="en-US"/>
-              <a:pPr>
-                <a:defRPr/>
-              </a:pPr>
-              <a:t>11/10/2020</a:t>
+            <a:fld id="{AF60D65C-9047-40E1-8646-09522FD99458}" type="datetime1">
+              <a:rPr lang="en-US" smtClean="0"/>
+              <a:t>11/17/2020</a:t>
             </a:fld>
             <a:endParaRPr lang="en-US"/>
           </a:p>
@@ -2202,12 +2187,9 @@
             <a:pPr>
               <a:defRPr/>
             </a:pPr>
-            <a:fld id="{9039FADB-E205-448A-9A6B-E9ED64BAAD26}" type="datetime1">
-              <a:rPr lang="en-US"/>
-              <a:pPr>
-                <a:defRPr/>
-              </a:pPr>
-              <a:t>11/10/2020</a:t>
+            <a:fld id="{0FC2AC8D-2DE8-482E-A220-B592FB00498C}" type="datetime1">
+              <a:rPr lang="en-US" smtClean="0"/>
+              <a:t>11/17/2020</a:t>
             </a:fld>
             <a:endParaRPr lang="en-US"/>
           </a:p>
@@ -2651,12 +2633,9 @@
             <a:pPr>
               <a:defRPr/>
             </a:pPr>
-            <a:fld id="{01550C91-8393-4438-AAB1-63B2E1A0AA0A}" type="datetime1">
-              <a:rPr lang="en-US"/>
-              <a:pPr>
-                <a:defRPr/>
-              </a:pPr>
-              <a:t>11/10/2020</a:t>
+            <a:fld id="{51D7EBD7-8C49-41D2-8069-61FFFCED6E6A}" type="datetime1">
+              <a:rPr lang="en-US" smtClean="0"/>
+              <a:t>11/17/2020</a:t>
             </a:fld>
             <a:endParaRPr lang="en-US"/>
           </a:p>
@@ -2796,12 +2775,9 @@
             <a:pPr>
               <a:defRPr/>
             </a:pPr>
-            <a:fld id="{A791FB29-1D42-4F9E-9FD7-17400F68E596}" type="datetime1">
-              <a:rPr lang="en-US"/>
-              <a:pPr>
-                <a:defRPr/>
-              </a:pPr>
-              <a:t>11/10/2020</a:t>
+            <a:fld id="{0E5FF57A-6776-46C9-A679-AAC6EBC344C6}" type="datetime1">
+              <a:rPr lang="en-US" smtClean="0"/>
+              <a:t>11/17/2020</a:t>
             </a:fld>
             <a:endParaRPr lang="en-US"/>
           </a:p>
@@ -2918,12 +2894,9 @@
             <a:pPr>
               <a:defRPr/>
             </a:pPr>
-            <a:fld id="{9A7B560D-64A4-4470-9B77-A3491BC6B67A}" type="datetime1">
-              <a:rPr lang="en-US"/>
-              <a:pPr>
-                <a:defRPr/>
-              </a:pPr>
-              <a:t>11/10/2020</a:t>
+            <a:fld id="{4BC06737-7E8E-458F-ADB4-3371CC83C825}" type="datetime1">
+              <a:rPr lang="en-US" smtClean="0"/>
+              <a:t>11/17/2020</a:t>
             </a:fld>
             <a:endParaRPr lang="en-US"/>
           </a:p>
@@ -3222,12 +3195,9 @@
             <a:pPr>
               <a:defRPr/>
             </a:pPr>
-            <a:fld id="{59C011F5-106D-4D7F-AD10-E04F3557D899}" type="datetime1">
-              <a:rPr lang="en-US"/>
-              <a:pPr>
-                <a:defRPr/>
-              </a:pPr>
-              <a:t>11/10/2020</a:t>
+            <a:fld id="{3F7F52C8-7BDB-4CCF-8FDC-E811525F152F}" type="datetime1">
+              <a:rPr lang="en-US" smtClean="0"/>
+              <a:t>11/17/2020</a:t>
             </a:fld>
             <a:endParaRPr lang="en-US"/>
           </a:p>
@@ -3505,12 +3475,9 @@
             <a:pPr>
               <a:defRPr/>
             </a:pPr>
-            <a:fld id="{A9B6F892-4853-492D-9F83-E1D3030D47FB}" type="datetime1">
-              <a:rPr lang="en-US"/>
-              <a:pPr>
-                <a:defRPr/>
-              </a:pPr>
-              <a:t>11/10/2020</a:t>
+            <a:fld id="{C32E4405-A394-4682-9451-194CA4F70646}" type="datetime1">
+              <a:rPr lang="en-US" smtClean="0"/>
+              <a:t>11/17/2020</a:t>
             </a:fld>
             <a:endParaRPr lang="en-US"/>
           </a:p>
@@ -3793,12 +3760,9 @@
             <a:pPr>
               <a:defRPr/>
             </a:pPr>
-            <a:fld id="{FDC1FBFA-BF5D-418B-B949-D50D9E53904D}" type="datetime1">
-              <a:rPr lang="en-US"/>
-              <a:pPr>
-                <a:defRPr/>
-              </a:pPr>
-              <a:t>11/10/2020</a:t>
+            <a:fld id="{D0EE670A-C192-4868-88AA-127F9F3CDE67}" type="datetime1">
+              <a:rPr lang="en-US" smtClean="0"/>
+              <a:t>11/17/2020</a:t>
             </a:fld>
             <a:endParaRPr lang="en-US"/>
           </a:p>
@@ -5409,11 +5373,7 @@
           <a:p>
             <a:r>
               <a:rPr lang="en-GB" altLang="en-US" dirty="0" smtClean="0"/>
-              <a:t>Tips on </a:t>
-            </a:r>
-            <a:r>
-              <a:rPr lang="en-GB" altLang="en-US" dirty="0" smtClean="0"/>
-              <a:t>writing your </a:t>
+              <a:t>Tips on writing your </a:t>
             </a:r>
             <a:r>
               <a:rPr lang="en-GB" altLang="en-US" dirty="0" err="1" smtClean="0"/>
@@ -5423,7 +5383,6 @@
               <a:rPr lang="en-GB" altLang="en-US" dirty="0" smtClean="0"/>
               <a:t> file</a:t>
             </a:r>
-            <a:endParaRPr lang="en-GB" altLang="en-US" dirty="0" smtClean="0"/>
           </a:p>
         </p:txBody>
       </p:sp>
@@ -5911,7 +5870,6 @@
               <a:rPr lang="en-GB" altLang="en-US" dirty="0" smtClean="0"/>
               <a:t> file</a:t>
             </a:r>
-            <a:endParaRPr lang="en-GB" altLang="en-US" dirty="0" smtClean="0"/>
           </a:p>
         </p:txBody>
       </p:sp>
@@ -8689,7 +8647,6 @@
               <a:rPr lang="en-GB" altLang="en-US" dirty="0" smtClean="0"/>
               <a:t> document (text generated by default)</a:t>
             </a:r>
-            <a:endParaRPr lang="en-GB" altLang="en-US" dirty="0" smtClean="0"/>
           </a:p>
         </p:txBody>
       </p:sp>
@@ -8851,15 +8808,7 @@
           <a:p>
             <a:r>
               <a:rPr lang="en-GB" altLang="en-US" dirty="0" smtClean="0"/>
-              <a:t>Click ‘Knit</a:t>
-            </a:r>
-            <a:r>
-              <a:rPr lang="en-GB" altLang="en-US" dirty="0" smtClean="0"/>
-              <a:t>’ </a:t>
-            </a:r>
-            <a:r>
-              <a:rPr lang="en-GB" altLang="en-US" dirty="0" smtClean="0"/>
-              <a:t>to generate an html report from the </a:t>
+              <a:t>Click ‘Knit’ to generate an html report from the </a:t>
             </a:r>
             <a:r>
               <a:rPr lang="en-GB" altLang="en-US" dirty="0" err="1" smtClean="0"/>
@@ -8869,7 +8818,6 @@
               <a:rPr lang="en-GB" altLang="en-US" dirty="0" smtClean="0"/>
               <a:t> document</a:t>
             </a:r>
-            <a:endParaRPr lang="en-GB" altLang="en-US" dirty="0" smtClean="0"/>
           </a:p>
         </p:txBody>
       </p:sp>
@@ -9396,27 +9344,7 @@
           <a:p>
             <a:r>
               <a:rPr lang="en-GB" altLang="en-US" dirty="0" smtClean="0"/>
-              <a:t>The html report will </a:t>
-            </a:r>
-            <a:r>
-              <a:rPr lang="en-GB" altLang="en-US" dirty="0" smtClean="0"/>
-              <a:t>appear in </a:t>
-            </a:r>
-            <a:r>
-              <a:rPr lang="en-GB" altLang="en-US" dirty="0" smtClean="0"/>
-              <a:t>the ‘Files</a:t>
-            </a:r>
-            <a:r>
-              <a:rPr lang="en-GB" altLang="en-US" dirty="0" smtClean="0"/>
-              <a:t>’ </a:t>
-            </a:r>
-            <a:r>
-              <a:rPr lang="en-GB" altLang="en-US" dirty="0" smtClean="0"/>
-              <a:t>panel </a:t>
-            </a:r>
-            <a:r>
-              <a:rPr lang="en-GB" altLang="en-US" dirty="0" smtClean="0"/>
-              <a:t>of R studio</a:t>
+              <a:t>The html report will appear in the ‘Files’ panel of R studio</a:t>
             </a:r>
           </a:p>
         </p:txBody>
@@ -10194,15 +10122,7 @@
             </a:br>
             <a:r>
               <a:rPr lang="en-GB" altLang="en-US" dirty="0" smtClean="0"/>
-              <a:t>Export </a:t>
-            </a:r>
-            <a:r>
-              <a:rPr lang="en-GB" altLang="en-US" dirty="0" smtClean="0"/>
-              <a:t>the </a:t>
-            </a:r>
-            <a:r>
-              <a:rPr lang="en-GB" altLang="en-US" dirty="0" smtClean="0"/>
-              <a:t>html file AND </a:t>
+              <a:t>Export the html file AND </a:t>
             </a:r>
             <a:r>
               <a:rPr lang="en-GB" altLang="en-US" dirty="0" err="1" smtClean="0"/>
@@ -10210,11 +10130,7 @@
             </a:r>
             <a:r>
               <a:rPr lang="en-GB" altLang="en-US" dirty="0" smtClean="0"/>
-              <a:t> </a:t>
-            </a:r>
-            <a:r>
-              <a:rPr lang="en-GB" altLang="en-US" dirty="0" smtClean="0"/>
-              <a:t>file from </a:t>
+              <a:t> file from </a:t>
             </a:r>
             <a:r>
               <a:rPr lang="en-GB" altLang="en-US" dirty="0" err="1" smtClean="0"/>
@@ -10230,13 +10146,8 @@
             </a:r>
             <a:r>
               <a:rPr lang="en-GB" altLang="en-US" dirty="0" smtClean="0"/>
-              <a:t> </a:t>
-            </a:r>
-            <a:r>
-              <a:rPr lang="en-GB" altLang="en-US" dirty="0" smtClean="0"/>
-              <a:t>PC first</a:t>
-            </a:r>
-            <a:endParaRPr lang="en-GB" altLang="en-US" dirty="0" smtClean="0"/>
+              <a:t> PC first</a:t>
+            </a:r>
           </a:p>
         </p:txBody>
       </p:sp>
@@ -10671,7 +10582,6 @@
               <a:rPr lang="en-GB" altLang="en-US" dirty="0" smtClean="0"/>
               <a:t>Once the files are on your hard drive, submit to the DLE as usual </a:t>
             </a:r>
-            <a:endParaRPr lang="en-GB" altLang="en-US" dirty="0" smtClean="0"/>
           </a:p>
         </p:txBody>
       </p:sp>
@@ -10754,12 +10664,6 @@
               </a:rPr>
               <a:t>1</a:t>
             </a:r>
-            <a:endParaRPr lang="en-GB" sz="2400" b="1" dirty="0" smtClean="0">
-              <a:solidFill>
-                <a:srgbClr val="FF0000"/>
-              </a:solidFill>
-              <a:latin typeface="+mj-lt"/>
-            </a:endParaRPr>
           </a:p>
         </p:txBody>
       </p:sp>
@@ -10794,12 +10698,6 @@
               </a:rPr>
               <a:t>2</a:t>
             </a:r>
-            <a:endParaRPr lang="en-GB" sz="2400" b="1" dirty="0" smtClean="0">
-              <a:solidFill>
-                <a:srgbClr val="FF0000"/>
-              </a:solidFill>
-              <a:latin typeface="+mj-lt"/>
-            </a:endParaRPr>
           </a:p>
         </p:txBody>
       </p:sp>
@@ -10834,12 +10732,6 @@
               </a:rPr>
               <a:t>3</a:t>
             </a:r>
-            <a:endParaRPr lang="en-GB" sz="2400" b="1" dirty="0" smtClean="0">
-              <a:solidFill>
-                <a:srgbClr val="FF0000"/>
-              </a:solidFill>
-              <a:latin typeface="+mj-lt"/>
-            </a:endParaRPr>
           </a:p>
         </p:txBody>
       </p:sp>
@@ -11163,11 +11055,7 @@
           <a:p>
             <a:r>
               <a:rPr lang="en-GB" altLang="en-US" dirty="0" smtClean="0"/>
-              <a:t>Tips </a:t>
-            </a:r>
-            <a:r>
-              <a:rPr lang="en-GB" altLang="en-US" dirty="0" smtClean="0"/>
-              <a:t>on writing your </a:t>
+              <a:t>Tips on writing your </a:t>
             </a:r>
             <a:r>
               <a:rPr lang="en-GB" altLang="en-US" dirty="0" err="1" smtClean="0"/>
@@ -11177,7 +11065,6 @@
               <a:rPr lang="en-GB" altLang="en-US" dirty="0" smtClean="0"/>
               <a:t> file</a:t>
             </a:r>
-            <a:endParaRPr lang="en-GB" altLang="en-US" dirty="0" smtClean="0"/>
           </a:p>
         </p:txBody>
       </p:sp>
@@ -11728,16 +11615,7 @@
                 </a:solidFill>
                 <a:latin typeface="+mj-lt"/>
               </a:rPr>
-              <a:t>in a chunk </a:t>
-            </a:r>
-            <a:r>
-              <a:rPr lang="en-GB" sz="2400" b="1" dirty="0" smtClean="0">
-                <a:solidFill>
-                  <a:schemeClr val="tx1"/>
-                </a:solidFill>
-                <a:latin typeface="+mj-lt"/>
-              </a:rPr>
-              <a:t>at </a:t>
+              <a:t>in a chunk at </a:t>
             </a:r>
             <a:r>
               <a:rPr lang="en-GB" sz="2400" b="1" dirty="0">
@@ -11852,18 +11730,35 @@
                 <a:latin typeface="+mj-lt"/>
                 <a:cs typeface="Courier New" panose="02070309020205020404" pitchFamily="49" charset="0"/>
               </a:rPr>
-              <a:t>the code (and associated output) won’t appear in the </a:t>
-            </a:r>
-            <a:r>
-              <a:rPr lang="en-GB" sz="2400" dirty="0" smtClean="0">
+              <a:t>the code (and associated output) won’t appear in </a:t>
+            </a:r>
+            <a:r>
+              <a:rPr lang="en-GB" sz="2400">
                 <a:solidFill>
                   <a:schemeClr val="tx1"/>
                 </a:solidFill>
                 <a:latin typeface="+mj-lt"/>
                 <a:cs typeface="Courier New" panose="02070309020205020404" pitchFamily="49" charset="0"/>
               </a:rPr>
-              <a:t>PDF</a:t>
-            </a:r>
+              <a:t>the </a:t>
+            </a:r>
+            <a:r>
+              <a:rPr lang="en-GB" sz="2400" smtClean="0">
+                <a:solidFill>
+                  <a:schemeClr val="tx1"/>
+                </a:solidFill>
+                <a:latin typeface="+mj-lt"/>
+                <a:cs typeface="Courier New" panose="02070309020205020404" pitchFamily="49" charset="0"/>
+              </a:rPr>
+              <a:t>html</a:t>
+            </a:r>
+            <a:endParaRPr lang="en-GB" sz="2400" dirty="0" smtClean="0">
+              <a:solidFill>
+                <a:schemeClr val="tx1"/>
+              </a:solidFill>
+              <a:latin typeface="+mj-lt"/>
+              <a:cs typeface="Courier New" panose="02070309020205020404" pitchFamily="49" charset="0"/>
+            </a:endParaRPr>
           </a:p>
           <a:p>
             <a:pPr>
@@ -12095,6 +11990,35 @@
               <a:t>Tips on writing your Rmd file</a:t>
             </a:r>
             <a:endParaRPr lang="en-GB" altLang="en-US" dirty="0" smtClean="0"/>
+          </a:p>
+        </p:txBody>
+      </p:sp>
+      <p:sp>
+        <p:nvSpPr>
+          <p:cNvPr id="2" name="Slide Number Placeholder 1"/>
+          <p:cNvSpPr>
+            <a:spLocks noGrp="1"/>
+          </p:cNvSpPr>
+          <p:nvPr>
+            <p:ph type="sldNum" sz="quarter" idx="12"/>
+          </p:nvPr>
+        </p:nvSpPr>
+        <p:spPr/>
+        <p:txBody>
+          <a:bodyPr/>
+          <a:lstStyle/>
+          <a:p>
+            <a:pPr>
+              <a:defRPr/>
+            </a:pPr>
+            <a:fld id="{65C39CC0-9DA4-4C60-A0F1-84CA2CEAA927}" type="slidenum">
+              <a:rPr lang="en-US" smtClean="0"/>
+              <a:pPr>
+                <a:defRPr/>
+              </a:pPr>
+              <a:t>8</a:t>
+            </a:fld>
+            <a:endParaRPr lang="en-US"/>
           </a:p>
         </p:txBody>
       </p:sp>
@@ -12493,11 +12417,7 @@
           <a:p>
             <a:r>
               <a:rPr lang="en-GB" altLang="en-US" dirty="0" smtClean="0"/>
-              <a:t>Tips </a:t>
-            </a:r>
-            <a:r>
-              <a:rPr lang="en-GB" altLang="en-US" dirty="0" smtClean="0"/>
-              <a:t>on writing your </a:t>
+              <a:t>Tips on writing your </a:t>
             </a:r>
             <a:r>
               <a:rPr lang="en-GB" altLang="en-US" dirty="0" err="1" smtClean="0"/>
@@ -12507,7 +12427,6 @@
               <a:rPr lang="en-GB" altLang="en-US" dirty="0" smtClean="0"/>
               <a:t> file</a:t>
             </a:r>
-            <a:endParaRPr lang="en-GB" altLang="en-US" dirty="0" smtClean="0"/>
           </a:p>
         </p:txBody>
       </p:sp>
@@ -13411,21 +13330,6 @@
 </file>
 
 <file path=customXml/item1.xml><?xml version="1.0" encoding="utf-8"?>
-<?mso-contentType ?>
-<FormTemplates xmlns="http://schemas.microsoft.com/sharepoint/v3/contenttype/forms">
-  <Display>DocumentLibraryForm</Display>
-  <Edit>DocumentLibraryForm</Edit>
-  <New>DocumentLibraryForm</New>
-</FormTemplates>
-</file>
-
-<file path=customXml/item2.xml><?xml version="1.0" encoding="utf-8"?>
-<p:properties xmlns:p="http://schemas.microsoft.com/office/2006/metadata/properties" xmlns:xsi="http://www.w3.org/2001/XMLSchema-instance" xmlns:pc="http://schemas.microsoft.com/office/infopath/2007/PartnerControls">
-  <documentManagement/>
-</p:properties>
-</file>
-
-<file path=customXml/item3.xml><?xml version="1.0" encoding="utf-8"?>
 <ct:contentTypeSchema xmlns:ct="http://schemas.microsoft.com/office/2006/metadata/contentType" xmlns:ma="http://schemas.microsoft.com/office/2006/metadata/properties/metaAttributes" ct:_="" ma:_="" ma:contentTypeName="Document" ma:contentTypeID="0x01010039C78F475D24344A969CCF416FCD45BB" ma:contentTypeVersion="13" ma:contentTypeDescription="Create a new document." ma:contentTypeScope="" ma:versionID="a0c5b494e4ac53bd353fcdbd7799a3f3">
   <xsd:schema xmlns:xsd="http://www.w3.org/2001/XMLSchema" xmlns:xs="http://www.w3.org/2001/XMLSchema" xmlns:p="http://schemas.microsoft.com/office/2006/metadata/properties" xmlns:ns3="1114de93-f3f1-4006-86a7-5ccf45982f95" xmlns:ns4="73a95059-53ff-4649-9213-6c5f0c8cde5d" targetNamespace="http://schemas.microsoft.com/office/2006/metadata/properties" ma:root="true" ma:fieldsID="ec7692872867c9011b958cb5bd08a7df" ns3:_="" ns4:_="">
     <xsd:import namespace="1114de93-f3f1-4006-86a7-5ccf45982f95"/>
@@ -13648,32 +13552,22 @@
 </ct:contentTypeSchema>
 </file>
 
-<file path=customXml/itemProps1.xml><?xml version="1.0" encoding="utf-8"?>
-<ds:datastoreItem xmlns:ds="http://schemas.openxmlformats.org/officeDocument/2006/customXml" ds:itemID="{B3072510-4ABE-43B1-80AA-AB159106D349}">
-  <ds:schemaRefs>
-    <ds:schemaRef ds:uri="http://schemas.microsoft.com/sharepoint/v3/contenttype/forms"/>
-  </ds:schemaRefs>
-</ds:datastoreItem>
+<file path=customXml/item2.xml><?xml version="1.0" encoding="utf-8"?>
+<?mso-contentType ?>
+<FormTemplates xmlns="http://schemas.microsoft.com/sharepoint/v3/contenttype/forms">
+  <Display>DocumentLibraryForm</Display>
+  <Edit>DocumentLibraryForm</Edit>
+  <New>DocumentLibraryForm</New>
+</FormTemplates>
 </file>
 
-<file path=customXml/itemProps2.xml><?xml version="1.0" encoding="utf-8"?>
-<ds:datastoreItem xmlns:ds="http://schemas.openxmlformats.org/officeDocument/2006/customXml" ds:itemID="{61E7B50A-EF57-437B-A02E-6D74C3625B9A}">
-  <ds:schemaRefs>
-    <ds:schemaRef ds:uri="http://schemas.microsoft.com/office/2006/documentManagement/types"/>
-    <ds:schemaRef ds:uri="http://schemas.microsoft.com/office/2006/metadata/properties"/>
-    <ds:schemaRef ds:uri="http://purl.org/dc/terms/"/>
-    <ds:schemaRef ds:uri="73a95059-53ff-4649-9213-6c5f0c8cde5d"/>
-    <ds:schemaRef ds:uri="1114de93-f3f1-4006-86a7-5ccf45982f95"/>
-    <ds:schemaRef ds:uri="http://purl.org/dc/dcmitype/"/>
-    <ds:schemaRef ds:uri="http://schemas.microsoft.com/office/infopath/2007/PartnerControls"/>
-    <ds:schemaRef ds:uri="http://schemas.openxmlformats.org/package/2006/metadata/core-properties"/>
-    <ds:schemaRef ds:uri="http://www.w3.org/XML/1998/namespace"/>
-    <ds:schemaRef ds:uri="http://purl.org/dc/elements/1.1/"/>
-  </ds:schemaRefs>
-</ds:datastoreItem>
+<file path=customXml/item3.xml><?xml version="1.0" encoding="utf-8"?>
+<p:properties xmlns:p="http://schemas.microsoft.com/office/2006/metadata/properties" xmlns:xsi="http://www.w3.org/2001/XMLSchema-instance" xmlns:pc="http://schemas.microsoft.com/office/infopath/2007/PartnerControls">
+  <documentManagement/>
+</p:properties>
 </file>
 
-<file path=customXml/itemProps3.xml><?xml version="1.0" encoding="utf-8"?>
+<file path=customXml/itemProps1.xml><?xml version="1.0" encoding="utf-8"?>
 <ds:datastoreItem xmlns:ds="http://schemas.openxmlformats.org/officeDocument/2006/customXml" ds:itemID="{4B0B3847-485F-4BD3-9F8B-04F7B47AEAD9}">
   <ds:schemaRefs>
     <ds:schemaRef ds:uri="http://schemas.microsoft.com/office/2006/metadata/contentType"/>
@@ -13690,4 +13584,29 @@
     <ds:schemaRef ds:uri="http://schemas.microsoft.com/internal/obd"/>
   </ds:schemaRefs>
 </ds:datastoreItem>
+</file>
+
+<file path=customXml/itemProps2.xml><?xml version="1.0" encoding="utf-8"?>
+<ds:datastoreItem xmlns:ds="http://schemas.openxmlformats.org/officeDocument/2006/customXml" ds:itemID="{B3072510-4ABE-43B1-80AA-AB159106D349}">
+  <ds:schemaRefs>
+    <ds:schemaRef ds:uri="http://schemas.microsoft.com/sharepoint/v3/contenttype/forms"/>
+  </ds:schemaRefs>
+</ds:datastoreItem>
+</file>
+
+<file path=customXml/itemProps3.xml><?xml version="1.0" encoding="utf-8"?>
+<ds:datastoreItem xmlns:ds="http://schemas.openxmlformats.org/officeDocument/2006/customXml" ds:itemID="{61E7B50A-EF57-437B-A02E-6D74C3625B9A}">
+  <ds:schemaRefs>
+    <ds:schemaRef ds:uri="http://schemas.microsoft.com/office/infopath/2007/PartnerControls"/>
+    <ds:schemaRef ds:uri="http://schemas.microsoft.com/office/2006/documentManagement/types"/>
+    <ds:schemaRef ds:uri="http://purl.org/dc/elements/1.1/"/>
+    <ds:schemaRef ds:uri="http://schemas.microsoft.com/office/2006/metadata/properties"/>
+    <ds:schemaRef ds:uri="http://purl.org/dc/terms/"/>
+    <ds:schemaRef ds:uri="73a95059-53ff-4649-9213-6c5f0c8cde5d"/>
+    <ds:schemaRef ds:uri="1114de93-f3f1-4006-86a7-5ccf45982f95"/>
+    <ds:schemaRef ds:uri="http://purl.org/dc/dcmitype/"/>
+    <ds:schemaRef ds:uri="http://schemas.openxmlformats.org/package/2006/metadata/core-properties"/>
+    <ds:schemaRef ds:uri="http://www.w3.org/XML/1998/namespace"/>
+  </ds:schemaRefs>
+</ds:datastoreItem>
 </file>